--- a/HC08/HC8_EN.pptx
+++ b/HC08/HC8_EN.pptx
@@ -164,6 +164,103 @@
 </p:cmAuthorLst>
 </file>
 
+<file path=ppt/revisionInfo.xml><?xml version="1.0" encoding="utf-8"?>
+<p1510:revInfo xmlns:a="http://schemas.openxmlformats.org/drawingml/2006/main" xmlns:r="http://schemas.openxmlformats.org/officeDocument/2006/relationships" xmlns:p1510="http://schemas.microsoft.com/office/powerpoint/2015/10/main">
+  <p1510:revLst>
+    <p1510:client id="{C95B0564-085C-405C-B565-EFF391FB5BC2}" v="1" dt="2025-03-20T16:22:02.194"/>
+  </p1510:revLst>
+</p1510:revInfo>
+</file>
+
+<file path=ppt/changesInfos/changesInfo1.xml><?xml version="1.0" encoding="utf-8"?>
+<pc:chgInfo xmlns:a="http://schemas.openxmlformats.org/drawingml/2006/main" xmlns:r="http://schemas.openxmlformats.org/officeDocument/2006/relationships" xmlns:ac="http://schemas.microsoft.com/office/drawing/2013/main/command" xmlns:pc="http://schemas.microsoft.com/office/powerpoint/2013/main/command">
+  <pc:docChgLst>
+    <pc:chgData name="Caspar van Lissa" userId="66f0d9d8-5e0d-4c8f-a33e-eb362e4340e3" providerId="ADAL" clId="{C95B0564-085C-405C-B565-EFF391FB5BC2}"/>
+    <pc:docChg chg="undo custSel modSld">
+      <pc:chgData name="Caspar van Lissa" userId="66f0d9d8-5e0d-4c8f-a33e-eb362e4340e3" providerId="ADAL" clId="{C95B0564-085C-405C-B565-EFF391FB5BC2}" dt="2025-03-20T16:26:57.704" v="557" actId="20577"/>
+      <pc:docMkLst>
+        <pc:docMk/>
+      </pc:docMkLst>
+      <pc:sldChg chg="modSp mod">
+        <pc:chgData name="Caspar van Lissa" userId="66f0d9d8-5e0d-4c8f-a33e-eb362e4340e3" providerId="ADAL" clId="{C95B0564-085C-405C-B565-EFF391FB5BC2}" dt="2025-03-20T16:19:36.190" v="10" actId="20577"/>
+        <pc:sldMkLst>
+          <pc:docMk/>
+          <pc:sldMk cId="2758917990" sldId="506"/>
+        </pc:sldMkLst>
+        <pc:spChg chg="mod">
+          <ac:chgData name="Caspar van Lissa" userId="66f0d9d8-5e0d-4c8f-a33e-eb362e4340e3" providerId="ADAL" clId="{C95B0564-085C-405C-B565-EFF391FB5BC2}" dt="2025-03-20T16:19:36.190" v="10" actId="20577"/>
+          <ac:spMkLst>
+            <pc:docMk/>
+            <pc:sldMk cId="2758917990" sldId="506"/>
+            <ac:spMk id="2" creationId="{00000000-0000-0000-0000-000000000000}"/>
+          </ac:spMkLst>
+        </pc:spChg>
+      </pc:sldChg>
+      <pc:sldChg chg="modSp mod">
+        <pc:chgData name="Caspar van Lissa" userId="66f0d9d8-5e0d-4c8f-a33e-eb362e4340e3" providerId="ADAL" clId="{C95B0564-085C-405C-B565-EFF391FB5BC2}" dt="2025-03-20T16:22:04.307" v="270" actId="20577"/>
+        <pc:sldMkLst>
+          <pc:docMk/>
+          <pc:sldMk cId="3192388136" sldId="508"/>
+        </pc:sldMkLst>
+        <pc:spChg chg="mod">
+          <ac:chgData name="Caspar van Lissa" userId="66f0d9d8-5e0d-4c8f-a33e-eb362e4340e3" providerId="ADAL" clId="{C95B0564-085C-405C-B565-EFF391FB5BC2}" dt="2025-03-20T16:22:04.307" v="270" actId="20577"/>
+          <ac:spMkLst>
+            <pc:docMk/>
+            <pc:sldMk cId="3192388136" sldId="508"/>
+            <ac:spMk id="3" creationId="{00000000-0000-0000-0000-000000000000}"/>
+          </ac:spMkLst>
+        </pc:spChg>
+      </pc:sldChg>
+      <pc:sldChg chg="modSp mod">
+        <pc:chgData name="Caspar van Lissa" userId="66f0d9d8-5e0d-4c8f-a33e-eb362e4340e3" providerId="ADAL" clId="{C95B0564-085C-405C-B565-EFF391FB5BC2}" dt="2025-03-20T16:22:31.609" v="324" actId="20577"/>
+        <pc:sldMkLst>
+          <pc:docMk/>
+          <pc:sldMk cId="863989798" sldId="509"/>
+        </pc:sldMkLst>
+        <pc:spChg chg="mod">
+          <ac:chgData name="Caspar van Lissa" userId="66f0d9d8-5e0d-4c8f-a33e-eb362e4340e3" providerId="ADAL" clId="{C95B0564-085C-405C-B565-EFF391FB5BC2}" dt="2025-03-20T16:22:31.609" v="324" actId="20577"/>
+          <ac:spMkLst>
+            <pc:docMk/>
+            <pc:sldMk cId="863989798" sldId="509"/>
+            <ac:spMk id="3" creationId="{00000000-0000-0000-0000-000000000000}"/>
+          </ac:spMkLst>
+        </pc:spChg>
+      </pc:sldChg>
+      <pc:sldChg chg="modSp mod">
+        <pc:chgData name="Caspar van Lissa" userId="66f0d9d8-5e0d-4c8f-a33e-eb362e4340e3" providerId="ADAL" clId="{C95B0564-085C-405C-B565-EFF391FB5BC2}" dt="2025-03-20T16:24:26.749" v="370" actId="20577"/>
+        <pc:sldMkLst>
+          <pc:docMk/>
+          <pc:sldMk cId="2253248769" sldId="510"/>
+        </pc:sldMkLst>
+        <pc:spChg chg="mod">
+          <ac:chgData name="Caspar van Lissa" userId="66f0d9d8-5e0d-4c8f-a33e-eb362e4340e3" providerId="ADAL" clId="{C95B0564-085C-405C-B565-EFF391FB5BC2}" dt="2025-03-20T16:24:26.749" v="370" actId="20577"/>
+          <ac:spMkLst>
+            <pc:docMk/>
+            <pc:sldMk cId="2253248769" sldId="510"/>
+            <ac:spMk id="3" creationId="{00000000-0000-0000-0000-000000000000}"/>
+          </ac:spMkLst>
+        </pc:spChg>
+      </pc:sldChg>
+      <pc:sldChg chg="modSp mod">
+        <pc:chgData name="Caspar van Lissa" userId="66f0d9d8-5e0d-4c8f-a33e-eb362e4340e3" providerId="ADAL" clId="{C95B0564-085C-405C-B565-EFF391FB5BC2}" dt="2025-03-20T16:26:57.704" v="557" actId="20577"/>
+        <pc:sldMkLst>
+          <pc:docMk/>
+          <pc:sldMk cId="2042744988" sldId="511"/>
+        </pc:sldMkLst>
+        <pc:spChg chg="mod">
+          <ac:chgData name="Caspar van Lissa" userId="66f0d9d8-5e0d-4c8f-a33e-eb362e4340e3" providerId="ADAL" clId="{C95B0564-085C-405C-B565-EFF391FB5BC2}" dt="2025-03-20T16:26:57.704" v="557" actId="20577"/>
+          <ac:spMkLst>
+            <pc:docMk/>
+            <pc:sldMk cId="2042744988" sldId="511"/>
+            <ac:spMk id="3" creationId="{00000000-0000-0000-0000-000000000000}"/>
+          </ac:spMkLst>
+        </pc:spChg>
+      </pc:sldChg>
+    </pc:docChg>
+  </pc:docChgLst>
+</pc:chgInfo>
+</file>
+
 <file path=ppt/comments/comment1.xml><?xml version="1.0" encoding="utf-8"?>
 <p:cmLst xmlns:a="http://schemas.openxmlformats.org/drawingml/2006/main" xmlns:r="http://schemas.openxmlformats.org/officeDocument/2006/relationships" xmlns:p="http://schemas.openxmlformats.org/presentationml/2006/main">
   <p:cm authorId="1" dt="2021-01-19T09:16:49.740" idx="32">
@@ -300,7 +397,7 @@
           <a:p>
             <a:fld id="{E7C94BC4-5B77-4BEA-AE10-D37FB4958CB3}" type="datetimeFigureOut">
               <a:rPr lang="en-US" smtClean="0"/>
-              <a:t>4/14/2023</a:t>
+              <a:t>3/20/2025</a:t>
             </a:fld>
             <a:endParaRPr lang="en-US" dirty="0"/>
           </a:p>
@@ -465,7 +562,7 @@
           <a:p>
             <a:fld id="{3D057A1C-535D-42DB-8B7E-CBD05FB93862}" type="datetimeFigureOut">
               <a:rPr lang="en-US" smtClean="0"/>
-              <a:t>4/14/2023</a:t>
+              <a:t>3/20/2025</a:t>
             </a:fld>
             <a:endParaRPr lang="en-US" dirty="0"/>
           </a:p>
@@ -3216,7 +3313,7 @@
           <a:p>
             <a:fld id="{8F6F6285-8743-41D1-88FC-10F51F55F2F8}" type="datetime1">
               <a:rPr lang="en-US" smtClean="0"/>
-              <a:t>4/14/2023</a:t>
+              <a:t>3/20/2025</a:t>
             </a:fld>
             <a:endParaRPr lang="en-US" dirty="0"/>
           </a:p>
@@ -3389,7 +3486,7 @@
           <a:p>
             <a:fld id="{68F01435-8CBC-43F4-B0FA-79E779FF4DCA}" type="datetime1">
               <a:rPr lang="en-US" smtClean="0"/>
-              <a:t>4/14/2023</a:t>
+              <a:t>3/20/2025</a:t>
             </a:fld>
             <a:endParaRPr lang="en-US" dirty="0"/>
           </a:p>
@@ -3572,7 +3669,7 @@
           <a:p>
             <a:fld id="{8B743BF8-80BD-4496-A8EE-AAFFAE4A1540}" type="datetime1">
               <a:rPr lang="en-US" smtClean="0"/>
-              <a:t>4/14/2023</a:t>
+              <a:t>3/20/2025</a:t>
             </a:fld>
             <a:endParaRPr lang="en-US" dirty="0"/>
           </a:p>
@@ -3745,7 +3842,7 @@
           <a:p>
             <a:fld id="{18F2A552-FC98-4E17-B149-A19E075BD704}" type="datetime1">
               <a:rPr lang="en-US" smtClean="0"/>
-              <a:t>4/14/2023</a:t>
+              <a:t>3/20/2025</a:t>
             </a:fld>
             <a:endParaRPr lang="en-US" dirty="0"/>
           </a:p>
@@ -3994,7 +4091,7 @@
           <a:p>
             <a:fld id="{F1BA6016-D1C5-4734-B37C-6B56042E13C1}" type="datetime1">
               <a:rPr lang="en-US" smtClean="0"/>
-              <a:t>4/14/2023</a:t>
+              <a:t>3/20/2025</a:t>
             </a:fld>
             <a:endParaRPr lang="en-US" dirty="0"/>
           </a:p>
@@ -4229,7 +4326,7 @@
           <a:p>
             <a:fld id="{2D20B2A3-532A-4BDC-8386-17185FCBA274}" type="datetime1">
               <a:rPr lang="en-US" smtClean="0"/>
-              <a:t>4/14/2023</a:t>
+              <a:t>3/20/2025</a:t>
             </a:fld>
             <a:endParaRPr lang="en-US" dirty="0"/>
           </a:p>
@@ -4599,7 +4696,7 @@
           <a:p>
             <a:fld id="{38AB60C4-F489-4D61-B49D-6F05D35B31E5}" type="datetime1">
               <a:rPr lang="en-US" smtClean="0"/>
-              <a:t>4/14/2023</a:t>
+              <a:t>3/20/2025</a:t>
             </a:fld>
             <a:endParaRPr lang="en-US" dirty="0"/>
           </a:p>
@@ -4720,7 +4817,7 @@
           <a:p>
             <a:fld id="{E3351051-DC44-41CE-BEF3-A7D0BA74EBB3}" type="datetime1">
               <a:rPr lang="en-US" smtClean="0"/>
-              <a:t>4/14/2023</a:t>
+              <a:t>3/20/2025</a:t>
             </a:fld>
             <a:endParaRPr lang="en-US" dirty="0"/>
           </a:p>
@@ -4818,7 +4915,7 @@
           <a:p>
             <a:fld id="{0F151D66-E6D9-420E-9413-C8B46E679593}" type="datetime1">
               <a:rPr lang="en-US" smtClean="0"/>
-              <a:t>4/14/2023</a:t>
+              <a:t>3/20/2025</a:t>
             </a:fld>
             <a:endParaRPr lang="en-US" dirty="0"/>
           </a:p>
@@ -5098,7 +5195,7 @@
           <a:p>
             <a:fld id="{90637F7B-D406-4A8D-9FAD-5FC8A5B98109}" type="datetime1">
               <a:rPr lang="en-US" smtClean="0"/>
-              <a:t>4/14/2023</a:t>
+              <a:t>3/20/2025</a:t>
             </a:fld>
             <a:endParaRPr lang="en-US" dirty="0"/>
           </a:p>
@@ -5357,7 +5454,7 @@
           <a:p>
             <a:fld id="{7A7A380F-D47F-4CDB-9B8F-E097AB007F43}" type="datetime1">
               <a:rPr lang="en-US" smtClean="0"/>
-              <a:t>4/14/2023</a:t>
+              <a:t>3/20/2025</a:t>
             </a:fld>
             <a:endParaRPr lang="en-US" dirty="0"/>
           </a:p>
@@ -5573,7 +5670,7 @@
           <a:p>
             <a:fld id="{81F093CE-56D5-453F-827A-BD06AD211950}" type="datetime1">
               <a:rPr lang="en-US" smtClean="0"/>
-              <a:t>4/14/2023</a:t>
+              <a:t>3/20/2025</a:t>
             </a:fld>
             <a:endParaRPr lang="en-US" dirty="0"/>
           </a:p>
@@ -12320,8 +12417,8 @@
           </a:p>
         </p:txBody>
       </p:sp>
-      <mc:AlternateContent xmlns:mc="http://schemas.openxmlformats.org/markup-compatibility/2006">
-        <mc:Choice xmlns:a14="http://schemas.microsoft.com/office/drawing/2010/main" Requires="a14">
+      <mc:AlternateContent xmlns:mc="http://schemas.openxmlformats.org/markup-compatibility/2006" xmlns:a14="http://schemas.microsoft.com/office/drawing/2010/main">
+        <mc:Choice Requires="a14">
           <p:sp>
             <p:nvSpPr>
               <p:cNvPr id="3" name="Content Placeholder 2"/>
@@ -12646,7 +12743,7 @@
             </p:txBody>
           </p:sp>
         </mc:Choice>
-        <mc:Fallback>
+        <mc:Fallback xmlns="">
           <p:sp>
             <p:nvSpPr>
               <p:cNvPr id="3" name="Content Placeholder 2"/>
@@ -13611,7 +13708,7 @@
             <a:pPr algn="ctr"/>
             <a:r>
               <a:rPr lang="en-US" sz="3200" dirty="0"/>
-              <a:t>The jungle of experimental research methodology…</a:t>
+              <a:t>The road so far…</a:t>
             </a:r>
           </a:p>
         </p:txBody>
@@ -22656,7 +22753,7 @@
         </p:spPr>
         <p:txBody>
           <a:bodyPr>
-            <a:normAutofit lnSpcReduction="10000"/>
+            <a:normAutofit fontScale="92500" lnSpcReduction="20000"/>
           </a:bodyPr>
           <a:lstStyle/>
           <a:p>
@@ -22709,11 +22806,11 @@
           <a:p>
             <a:r>
               <a:rPr lang="en-US" sz="1900" dirty="0"/>
-              <a:t>Do population means differ from each other </a:t>
+              <a:t>Do population means differ from each other after </a:t>
             </a:r>
             <a:r>
               <a:rPr lang="en-US" sz="1900" i="1" dirty="0"/>
-              <a:t>controlled for covariate X</a:t>
+              <a:t>controlling for covariate X</a:t>
             </a:r>
             <a:r>
               <a:rPr lang="en-US" sz="1900" dirty="0"/>
@@ -22730,7 +22827,7 @@
             </a:r>
             <a:r>
               <a:rPr lang="en-US" sz="1900" i="1" dirty="0"/>
-              <a:t>controlled for covariate X</a:t>
+              <a:t>controlling for covariate X</a:t>
             </a:r>
             <a:r>
               <a:rPr lang="en-US" sz="1900" dirty="0"/>
@@ -22747,6 +22844,28 @@
             </a:r>
           </a:p>
           <a:p>
+            <a:pPr lvl="1"/>
+            <a:r>
+              <a:rPr lang="en-US" sz="1500" dirty="0"/>
+              <a:t>Experimental control (random assignment) removes the effect of ALL possible covariates</a:t>
+            </a:r>
+          </a:p>
+          <a:p>
+            <a:pPr lvl="1"/>
+            <a:r>
+              <a:rPr lang="en-US" sz="1500" dirty="0"/>
+              <a:t>Statistically controlling for a covariate helps IF your model is correctly specified (outside scope of this course, but see </a:t>
+            </a:r>
+            <a:r>
+              <a:rPr lang="en-US" sz="1500" dirty="0">
+                <a:hlinkClick r:id="rId3"/>
+              </a:rPr>
+              <a:t>https://www.youtube.com/watch?v=wBB4sed9ku0</a:t>
+            </a:r>
+            <a:r>
+              <a:rPr lang="en-US" sz="1500" dirty="0"/>
+              <a:t> </a:t>
+            </a:r>
             <a:endParaRPr lang="en-US" sz="1900" dirty="0"/>
           </a:p>
           <a:p>
@@ -23068,7 +23187,7 @@
               <a:rPr lang="en-US" sz="1900" dirty="0">
                 <a:sym typeface="Wingdings" panose="05000000000000000000" pitchFamily="2" charset="2"/>
               </a:rPr>
-              <a:t>Luckily, there are many similarities between ANCOVA and regression analyses</a:t>
+              <a:t>You can apply much of what you learned about regression analysis to ANCOVA</a:t>
             </a:r>
           </a:p>
           <a:p>
@@ -23251,7 +23370,7 @@
         </p:spPr>
         <p:txBody>
           <a:bodyPr>
-            <a:normAutofit/>
+            <a:normAutofit lnSpcReduction="10000"/>
           </a:bodyPr>
           <a:lstStyle/>
           <a:p>
@@ -23275,7 +23394,7 @@
           <a:p>
             <a:r>
               <a:rPr lang="en-US" sz="1900" dirty="0"/>
-              <a:t>Covariate = continuous variable that is related to the dependent variable that cannot be experimentally controlled for</a:t>
+              <a:t>Covariate = continuous variable that is related to the dependent variable that was not experimentally controlled for</a:t>
             </a:r>
           </a:p>
           <a:p>
@@ -23301,7 +23420,7 @@
           <a:p>
             <a:r>
               <a:rPr lang="en-US" sz="1900" dirty="0"/>
-              <a:t>Using an ANCOVA </a:t>
+              <a:t>IF the model is correctly specified, using an ANCOVA </a:t>
             </a:r>
             <a:r>
               <a:rPr lang="en-US" sz="1900" u="sng" dirty="0"/>
@@ -23522,13 +23641,36 @@
             </a:r>
           </a:p>
           <a:p>
-            <a:pPr marL="457200" indent="-457200">
-              <a:buFont typeface="+mj-lt"/>
-              <a:buAutoNum type="arabicPeriod"/>
+            <a:pPr marL="457200" lvl="1" indent="0">
+              <a:buNone/>
             </a:pPr>
-            <a:endParaRPr lang="en-US" sz="1900" dirty="0">
-              <a:sym typeface="Wingdings" panose="05000000000000000000" pitchFamily="2" charset="2"/>
-            </a:endParaRPr>
+            <a:r>
+              <a:rPr lang="en-US" sz="1500" i="1" dirty="0">
+                <a:solidFill>
+                  <a:srgbClr val="FF0000"/>
+                </a:solidFill>
+                <a:sym typeface="Wingdings" panose="05000000000000000000" pitchFamily="2" charset="2"/>
+              </a:rPr>
+              <a:t>But: if the causal model is </a:t>
+            </a:r>
+            <a:r>
+              <a:rPr lang="en-US" sz="1500" i="1" dirty="0" err="1">
+                <a:solidFill>
+                  <a:srgbClr val="FF0000"/>
+                </a:solidFill>
+                <a:sym typeface="Wingdings" panose="05000000000000000000" pitchFamily="2" charset="2"/>
+              </a:rPr>
+              <a:t>misspecified</a:t>
+            </a:r>
+            <a:r>
+              <a:rPr lang="en-US" sz="1500" i="1" dirty="0">
+                <a:solidFill>
+                  <a:srgbClr val="FF0000"/>
+                </a:solidFill>
+                <a:sym typeface="Wingdings" panose="05000000000000000000" pitchFamily="2" charset="2"/>
+              </a:rPr>
+              <a:t>, including a covariate actually created bias</a:t>
+            </a:r>
           </a:p>
           <a:p>
             <a:r>
@@ -23559,7 +23701,21 @@
               <a:rPr lang="en-US" sz="1900" dirty="0">
                 <a:sym typeface="Wingdings" panose="05000000000000000000" pitchFamily="2" charset="2"/>
               </a:rPr>
-              <a:t>Random assignment to conditions, so differences between groups on the covariate are probably small  virtually no </a:t>
+              <a:t>Random assignment to conditions means any differences between groups are due to chance</a:t>
+            </a:r>
+          </a:p>
+          <a:p>
+            <a:r>
+              <a:rPr lang="en-US" sz="1900">
+                <a:sym typeface="Wingdings" panose="05000000000000000000" pitchFamily="2" charset="2"/>
+              </a:rPr>
+              <a:t> </a:t>
+            </a:r>
+            <a:r>
+              <a:rPr lang="en-US" sz="1900" dirty="0">
+                <a:sym typeface="Wingdings" panose="05000000000000000000" pitchFamily="2" charset="2"/>
+              </a:rPr>
+              <a:t>virtually no </a:t>
             </a:r>
             <a:r>
               <a:rPr lang="en-US" sz="1900" i="1" dirty="0">

--- a/HC08/HC8_EN.pptx
+++ b/HC08/HC8_EN.pptx
@@ -177,7 +177,7 @@
   <pc:docChgLst>
     <pc:chgData name="Caspar van Lissa" userId="66f0d9d8-5e0d-4c8f-a33e-eb362e4340e3" providerId="ADAL" clId="{C95B0564-085C-405C-B565-EFF391FB5BC2}"/>
     <pc:docChg chg="undo custSel modSld">
-      <pc:chgData name="Caspar van Lissa" userId="66f0d9d8-5e0d-4c8f-a33e-eb362e4340e3" providerId="ADAL" clId="{C95B0564-085C-405C-B565-EFF391FB5BC2}" dt="2025-03-20T16:26:57.704" v="557" actId="20577"/>
+      <pc:chgData name="Caspar van Lissa" userId="66f0d9d8-5e0d-4c8f-a33e-eb362e4340e3" providerId="ADAL" clId="{C95B0564-085C-405C-B565-EFF391FB5BC2}" dt="2025-04-22T07:48:55.476" v="663" actId="114"/>
       <pc:docMkLst>
         <pc:docMk/>
       </pc:docMkLst>
@@ -227,13 +227,13 @@
         </pc:spChg>
       </pc:sldChg>
       <pc:sldChg chg="modSp mod">
-        <pc:chgData name="Caspar van Lissa" userId="66f0d9d8-5e0d-4c8f-a33e-eb362e4340e3" providerId="ADAL" clId="{C95B0564-085C-405C-B565-EFF391FB5BC2}" dt="2025-03-20T16:24:26.749" v="370" actId="20577"/>
+        <pc:chgData name="Caspar van Lissa" userId="66f0d9d8-5e0d-4c8f-a33e-eb362e4340e3" providerId="ADAL" clId="{C95B0564-085C-405C-B565-EFF391FB5BC2}" dt="2025-04-22T07:48:55.476" v="663" actId="114"/>
         <pc:sldMkLst>
           <pc:docMk/>
           <pc:sldMk cId="2253248769" sldId="510"/>
         </pc:sldMkLst>
         <pc:spChg chg="mod">
-          <ac:chgData name="Caspar van Lissa" userId="66f0d9d8-5e0d-4c8f-a33e-eb362e4340e3" providerId="ADAL" clId="{C95B0564-085C-405C-B565-EFF391FB5BC2}" dt="2025-03-20T16:24:26.749" v="370" actId="20577"/>
+          <ac:chgData name="Caspar van Lissa" userId="66f0d9d8-5e0d-4c8f-a33e-eb362e4340e3" providerId="ADAL" clId="{C95B0564-085C-405C-B565-EFF391FB5BC2}" dt="2025-04-22T07:48:55.476" v="663" actId="114"/>
           <ac:spMkLst>
             <pc:docMk/>
             <pc:sldMk cId="2253248769" sldId="510"/>
@@ -397,7 +397,7 @@
           <a:p>
             <a:fld id="{E7C94BC4-5B77-4BEA-AE10-D37FB4958CB3}" type="datetimeFigureOut">
               <a:rPr lang="en-US" smtClean="0"/>
-              <a:t>3/20/2025</a:t>
+              <a:t>4/22/2025</a:t>
             </a:fld>
             <a:endParaRPr lang="en-US" dirty="0"/>
           </a:p>
@@ -562,7 +562,7 @@
           <a:p>
             <a:fld id="{3D057A1C-535D-42DB-8B7E-CBD05FB93862}" type="datetimeFigureOut">
               <a:rPr lang="en-US" smtClean="0"/>
-              <a:t>3/20/2025</a:t>
+              <a:t>4/22/2025</a:t>
             </a:fld>
             <a:endParaRPr lang="en-US" dirty="0"/>
           </a:p>
@@ -3313,7 +3313,7 @@
           <a:p>
             <a:fld id="{8F6F6285-8743-41D1-88FC-10F51F55F2F8}" type="datetime1">
               <a:rPr lang="en-US" smtClean="0"/>
-              <a:t>3/20/2025</a:t>
+              <a:t>4/22/2025</a:t>
             </a:fld>
             <a:endParaRPr lang="en-US" dirty="0"/>
           </a:p>
@@ -3486,7 +3486,7 @@
           <a:p>
             <a:fld id="{68F01435-8CBC-43F4-B0FA-79E779FF4DCA}" type="datetime1">
               <a:rPr lang="en-US" smtClean="0"/>
-              <a:t>3/20/2025</a:t>
+              <a:t>4/22/2025</a:t>
             </a:fld>
             <a:endParaRPr lang="en-US" dirty="0"/>
           </a:p>
@@ -3669,7 +3669,7 @@
           <a:p>
             <a:fld id="{8B743BF8-80BD-4496-A8EE-AAFFAE4A1540}" type="datetime1">
               <a:rPr lang="en-US" smtClean="0"/>
-              <a:t>3/20/2025</a:t>
+              <a:t>4/22/2025</a:t>
             </a:fld>
             <a:endParaRPr lang="en-US" dirty="0"/>
           </a:p>
@@ -3842,7 +3842,7 @@
           <a:p>
             <a:fld id="{18F2A552-FC98-4E17-B149-A19E075BD704}" type="datetime1">
               <a:rPr lang="en-US" smtClean="0"/>
-              <a:t>3/20/2025</a:t>
+              <a:t>4/22/2025</a:t>
             </a:fld>
             <a:endParaRPr lang="en-US" dirty="0"/>
           </a:p>
@@ -4091,7 +4091,7 @@
           <a:p>
             <a:fld id="{F1BA6016-D1C5-4734-B37C-6B56042E13C1}" type="datetime1">
               <a:rPr lang="en-US" smtClean="0"/>
-              <a:t>3/20/2025</a:t>
+              <a:t>4/22/2025</a:t>
             </a:fld>
             <a:endParaRPr lang="en-US" dirty="0"/>
           </a:p>
@@ -4326,7 +4326,7 @@
           <a:p>
             <a:fld id="{2D20B2A3-532A-4BDC-8386-17185FCBA274}" type="datetime1">
               <a:rPr lang="en-US" smtClean="0"/>
-              <a:t>3/20/2025</a:t>
+              <a:t>4/22/2025</a:t>
             </a:fld>
             <a:endParaRPr lang="en-US" dirty="0"/>
           </a:p>
@@ -4696,7 +4696,7 @@
           <a:p>
             <a:fld id="{38AB60C4-F489-4D61-B49D-6F05D35B31E5}" type="datetime1">
               <a:rPr lang="en-US" smtClean="0"/>
-              <a:t>3/20/2025</a:t>
+              <a:t>4/22/2025</a:t>
             </a:fld>
             <a:endParaRPr lang="en-US" dirty="0"/>
           </a:p>
@@ -4817,7 +4817,7 @@
           <a:p>
             <a:fld id="{E3351051-DC44-41CE-BEF3-A7D0BA74EBB3}" type="datetime1">
               <a:rPr lang="en-US" smtClean="0"/>
-              <a:t>3/20/2025</a:t>
+              <a:t>4/22/2025</a:t>
             </a:fld>
             <a:endParaRPr lang="en-US" dirty="0"/>
           </a:p>
@@ -4915,7 +4915,7 @@
           <a:p>
             <a:fld id="{0F151D66-E6D9-420E-9413-C8B46E679593}" type="datetime1">
               <a:rPr lang="en-US" smtClean="0"/>
-              <a:t>3/20/2025</a:t>
+              <a:t>4/22/2025</a:t>
             </a:fld>
             <a:endParaRPr lang="en-US" dirty="0"/>
           </a:p>
@@ -5195,7 +5195,7 @@
           <a:p>
             <a:fld id="{90637F7B-D406-4A8D-9FAD-5FC8A5B98109}" type="datetime1">
               <a:rPr lang="en-US" smtClean="0"/>
-              <a:t>3/20/2025</a:t>
+              <a:t>4/22/2025</a:t>
             </a:fld>
             <a:endParaRPr lang="en-US" dirty="0"/>
           </a:p>
@@ -5454,7 +5454,7 @@
           <a:p>
             <a:fld id="{7A7A380F-D47F-4CDB-9B8F-E097AB007F43}" type="datetime1">
               <a:rPr lang="en-US" smtClean="0"/>
-              <a:t>3/20/2025</a:t>
+              <a:t>4/22/2025</a:t>
             </a:fld>
             <a:endParaRPr lang="en-US" dirty="0"/>
           </a:p>
@@ -5670,7 +5670,7 @@
           <a:p>
             <a:fld id="{81F093CE-56D5-453F-827A-BD06AD211950}" type="datetime1">
               <a:rPr lang="en-US" smtClean="0"/>
-              <a:t>3/20/2025</a:t>
+              <a:t>4/22/2025</a:t>
             </a:fld>
             <a:endParaRPr lang="en-US" dirty="0"/>
           </a:p>
@@ -23411,7 +23411,14 @@
             </a:r>
             <a:r>
               <a:rPr lang="en-US" sz="1900" dirty="0"/>
-              <a:t>) that has nothing to do with the factor </a:t>
+              <a:t>) that has nothing to do with the factor</a:t>
+            </a:r>
+          </a:p>
+          <a:p>
+            <a:pPr lvl="1"/>
+            <a:r>
+              <a:rPr lang="en-US" sz="1500" b="1" i="1" dirty="0"/>
+              <a:t>(assuming the covariate is an independent cause of the DV, not an outcome of the factor)</a:t>
             </a:r>
           </a:p>
           <a:p>
